--- a/2학기/캡스톤디자인/캡스톤디자인_20194014_신유승_20194009_이준석.pptx
+++ b/2학기/캡스톤디자인/캡스톤디자인_20194014_신유승_20194009_이준석.pptx
@@ -321,7 +321,7 @@
           <a:p>
             <a:fld id="{F8166F1F-CE9B-4651-A6AA-CD717754106B}" type="datetimeFigureOut">
               <a:rPr lang="en-US" smtClean="0"/>
-              <a:t>11/5/2023</a:t>
+              <a:t>11/20/2023</a:t>
             </a:fld>
             <a:endParaRPr lang="en-US"/>
           </a:p>
@@ -484,7 +484,7 @@
           <a:p>
             <a:fld id="{A76116CE-C4A3-4A05-B2D7-7C2E9A889C0F}" type="datetimeFigureOut">
               <a:rPr lang="en-US" smtClean="0"/>
-              <a:t>11/5/2023</a:t>
+              <a:t>11/20/2023</a:t>
             </a:fld>
             <a:endParaRPr lang="en-US"/>
           </a:p>
@@ -657,7 +657,7 @@
           <a:p>
             <a:fld id="{A76116CE-C4A3-4A05-B2D7-7C2E9A889C0F}" type="datetimeFigureOut">
               <a:rPr lang="en-US" smtClean="0"/>
-              <a:t>11/5/2023</a:t>
+              <a:t>11/20/2023</a:t>
             </a:fld>
             <a:endParaRPr lang="en-US"/>
           </a:p>
@@ -822,7 +822,7 @@
           <a:p>
             <a:fld id="{A76116CE-C4A3-4A05-B2D7-7C2E9A889C0F}" type="datetimeFigureOut">
               <a:rPr lang="en-US" smtClean="0"/>
-              <a:t>11/5/2023</a:t>
+              <a:t>11/20/2023</a:t>
             </a:fld>
             <a:endParaRPr lang="en-US"/>
           </a:p>
@@ -1062,7 +1062,7 @@
           <a:p>
             <a:fld id="{A76116CE-C4A3-4A05-B2D7-7C2E9A889C0F}" type="datetimeFigureOut">
               <a:rPr lang="en-US" smtClean="0"/>
-              <a:t>11/5/2023</a:t>
+              <a:t>11/20/2023</a:t>
             </a:fld>
             <a:endParaRPr lang="en-US"/>
           </a:p>
@@ -1342,7 +1342,7 @@
           <a:p>
             <a:fld id="{A76116CE-C4A3-4A05-B2D7-7C2E9A889C0F}" type="datetimeFigureOut">
               <a:rPr lang="en-US" smtClean="0"/>
-              <a:t>11/5/2023</a:t>
+              <a:t>11/20/2023</a:t>
             </a:fld>
             <a:endParaRPr lang="en-US"/>
           </a:p>
@@ -1756,7 +1756,7 @@
           <a:p>
             <a:fld id="{A76116CE-C4A3-4A05-B2D7-7C2E9A889C0F}" type="datetimeFigureOut">
               <a:rPr lang="en-US" smtClean="0"/>
-              <a:t>11/5/2023</a:t>
+              <a:t>11/20/2023</a:t>
             </a:fld>
             <a:endParaRPr lang="en-US"/>
           </a:p>
@@ -1868,7 +1868,7 @@
           <a:p>
             <a:fld id="{A76116CE-C4A3-4A05-B2D7-7C2E9A889C0F}" type="datetimeFigureOut">
               <a:rPr lang="en-US" smtClean="0"/>
-              <a:t>11/5/2023</a:t>
+              <a:t>11/20/2023</a:t>
             </a:fld>
             <a:endParaRPr lang="en-US"/>
           </a:p>
@@ -1958,7 +1958,7 @@
           <a:p>
             <a:fld id="{A76116CE-C4A3-4A05-B2D7-7C2E9A889C0F}" type="datetimeFigureOut">
               <a:rPr lang="en-US" smtClean="0"/>
-              <a:t>11/5/2023</a:t>
+              <a:t>11/20/2023</a:t>
             </a:fld>
             <a:endParaRPr lang="en-US"/>
           </a:p>
@@ -2228,7 +2228,7 @@
           <a:p>
             <a:fld id="{A76116CE-C4A3-4A05-B2D7-7C2E9A889C0F}" type="datetimeFigureOut">
               <a:rPr lang="en-US" smtClean="0"/>
-              <a:t>11/5/2023</a:t>
+              <a:t>11/20/2023</a:t>
             </a:fld>
             <a:endParaRPr lang="en-US"/>
           </a:p>
@@ -2475,7 +2475,7 @@
           <a:p>
             <a:fld id="{A76116CE-C4A3-4A05-B2D7-7C2E9A889C0F}" type="datetimeFigureOut">
               <a:rPr lang="en-US" smtClean="0"/>
-              <a:t>11/5/2023</a:t>
+              <a:t>11/20/2023</a:t>
             </a:fld>
             <a:endParaRPr lang="en-US"/>
           </a:p>
@@ -2681,7 +2681,7 @@
           <a:p>
             <a:fld id="{F8166F1F-CE9B-4651-A6AA-CD717754106B}" type="datetimeFigureOut">
               <a:rPr lang="en-US" smtClean="0"/>
-              <a:t>11/5/2023</a:t>
+              <a:t>11/20/2023</a:t>
             </a:fld>
             <a:endParaRPr lang="en-US"/>
           </a:p>
@@ -5840,30 +5840,6 @@
           </a:prstGeom>
         </p:spPr>
       </p:pic>
-      <p:pic>
-        <p:nvPicPr>
-          <p:cNvPr id="9" name="Object 8"/>
-          <p:cNvPicPr>
-            <a:picLocks noChangeAspect="1"/>
-          </p:cNvPicPr>
-          <p:nvPr/>
-        </p:nvPicPr>
-        <p:blipFill>
-          <a:blip r:embed="rId5" cstate="print"/>
-          <a:stretch>
-            <a:fillRect/>
-          </a:stretch>
-        </p:blipFill>
-        <p:spPr>
-          <a:xfrm>
-            <a:off x="612057" y="-441560"/>
-            <a:ext cx="4292780" cy="3419475"/>
-          </a:xfrm>
-          <a:prstGeom prst="rect">
-            <a:avLst/>
-          </a:prstGeom>
-        </p:spPr>
-      </p:pic>
       <p:grpSp>
         <p:nvGrpSpPr>
           <p:cNvPr id="1003" name="그룹 1003"/>
@@ -5887,7 +5863,7 @@
             <p:nvPr/>
           </p:nvPicPr>
           <p:blipFill>
-            <a:blip r:embed="rId6" cstate="print"/>
+            <a:blip r:embed="rId5" cstate="print"/>
             <a:stretch>
               <a:fillRect/>
             </a:stretch>
@@ -5926,7 +5902,7 @@
             <p:nvPr/>
           </p:nvPicPr>
           <p:blipFill>
-            <a:blip r:embed="rId7" cstate="print"/>
+            <a:blip r:embed="rId6" cstate="print"/>
             <a:stretch>
               <a:fillRect/>
             </a:stretch>
@@ -5965,7 +5941,7 @@
             <p:nvPr/>
           </p:nvPicPr>
           <p:blipFill>
-            <a:blip r:embed="rId6" cstate="print"/>
+            <a:blip r:embed="rId5" cstate="print"/>
             <a:stretch>
               <a:fillRect/>
             </a:stretch>
@@ -6004,7 +5980,7 @@
             <p:nvPr/>
           </p:nvPicPr>
           <p:blipFill>
-            <a:blip r:embed="rId8" cstate="print"/>
+            <a:blip r:embed="rId7" cstate="print"/>
             <a:stretch>
               <a:fillRect/>
             </a:stretch>
@@ -6043,7 +6019,7 @@
             <p:nvPr/>
           </p:nvPicPr>
           <p:blipFill>
-            <a:blip r:embed="rId6" cstate="print"/>
+            <a:blip r:embed="rId5" cstate="print"/>
             <a:stretch>
               <a:fillRect/>
             </a:stretch>
@@ -6082,7 +6058,7 @@
             <p:nvPr/>
           </p:nvPicPr>
           <p:blipFill>
-            <a:blip r:embed="rId9" cstate="print"/>
+            <a:blip r:embed="rId8" cstate="print"/>
             <a:stretch>
               <a:fillRect/>
             </a:stretch>
@@ -6121,7 +6097,7 @@
             <p:nvPr/>
           </p:nvPicPr>
           <p:blipFill>
-            <a:blip r:embed="rId10" cstate="print"/>
+            <a:blip r:embed="rId9" cstate="print"/>
             <a:stretch>
               <a:fillRect/>
             </a:stretch>
@@ -6160,7 +6136,7 @@
             <p:nvPr/>
           </p:nvPicPr>
           <p:blipFill>
-            <a:blip r:embed="rId7" cstate="print"/>
+            <a:blip r:embed="rId6" cstate="print"/>
             <a:stretch>
               <a:fillRect/>
             </a:stretch>
@@ -6199,7 +6175,7 @@
             <p:nvPr/>
           </p:nvPicPr>
           <p:blipFill>
-            <a:blip r:embed="rId6" cstate="print"/>
+            <a:blip r:embed="rId5" cstate="print"/>
             <a:stretch>
               <a:fillRect/>
             </a:stretch>
@@ -6238,7 +6214,7 @@
             <p:nvPr/>
           </p:nvPicPr>
           <p:blipFill>
-            <a:blip r:embed="rId8" cstate="print"/>
+            <a:blip r:embed="rId7" cstate="print"/>
             <a:stretch>
               <a:fillRect/>
             </a:stretch>
@@ -6277,7 +6253,7 @@
             <p:nvPr/>
           </p:nvPicPr>
           <p:blipFill>
-            <a:blip r:embed="rId11" cstate="print"/>
+            <a:blip r:embed="rId10" cstate="print"/>
             <a:stretch>
               <a:fillRect/>
             </a:stretch>
@@ -6316,7 +6292,7 @@
             <p:nvPr/>
           </p:nvPicPr>
           <p:blipFill>
-            <a:blip r:embed="rId7" cstate="print"/>
+            <a:blip r:embed="rId6" cstate="print"/>
             <a:stretch>
               <a:fillRect/>
             </a:stretch>
@@ -6355,7 +6331,7 @@
             <p:nvPr/>
           </p:nvPicPr>
           <p:blipFill>
-            <a:blip r:embed="rId7" cstate="print"/>
+            <a:blip r:embed="rId6" cstate="print"/>
             <a:stretch>
               <a:fillRect/>
             </a:stretch>
@@ -6380,7 +6356,7 @@
           <p:nvPr/>
         </p:nvPicPr>
         <p:blipFill>
-          <a:blip r:embed="rId12" cstate="print"/>
+          <a:blip r:embed="rId11" cstate="print"/>
           <a:stretch>
             <a:fillRect/>
           </a:stretch>
@@ -6404,7 +6380,7 @@
           <p:nvPr/>
         </p:nvPicPr>
         <p:blipFill>
-          <a:blip r:embed="rId13" cstate="print"/>
+          <a:blip r:embed="rId12" cstate="print"/>
           <a:stretch>
             <a:fillRect/>
           </a:stretch>
@@ -6428,7 +6404,7 @@
           <p:nvPr/>
         </p:nvPicPr>
         <p:blipFill>
-          <a:blip r:embed="rId14" cstate="print"/>
+          <a:blip r:embed="rId13" cstate="print"/>
           <a:stretch>
             <a:fillRect/>
           </a:stretch>
@@ -6452,7 +6428,7 @@
           <p:nvPr/>
         </p:nvPicPr>
         <p:blipFill>
-          <a:blip r:embed="rId15" cstate="print"/>
+          <a:blip r:embed="rId14" cstate="print"/>
           <a:stretch>
             <a:fillRect/>
           </a:stretch>
@@ -6476,7 +6452,7 @@
           <p:nvPr/>
         </p:nvPicPr>
         <p:blipFill>
-          <a:blip r:embed="rId16" cstate="print"/>
+          <a:blip r:embed="rId15" cstate="print"/>
           <a:stretch>
             <a:fillRect/>
           </a:stretch>
@@ -6493,30 +6469,6 @@
       </p:pic>
       <p:pic>
         <p:nvPicPr>
-          <p:cNvPr id="54" name="Object 53"/>
-          <p:cNvPicPr>
-            <a:picLocks noChangeAspect="1"/>
-          </p:cNvPicPr>
-          <p:nvPr/>
-        </p:nvPicPr>
-        <p:blipFill>
-          <a:blip r:embed="rId17" cstate="print"/>
-          <a:stretch>
-            <a:fillRect/>
-          </a:stretch>
-        </p:blipFill>
-        <p:spPr>
-          <a:xfrm>
-            <a:off x="10586277" y="3715848"/>
-            <a:ext cx="5069206" cy="556435"/>
-          </a:xfrm>
-          <a:prstGeom prst="rect">
-            <a:avLst/>
-          </a:prstGeom>
-        </p:spPr>
-      </p:pic>
-      <p:pic>
-        <p:nvPicPr>
           <p:cNvPr id="55" name="Object 54"/>
           <p:cNvPicPr>
             <a:picLocks noChangeAspect="1"/>
@@ -6524,7 +6476,7 @@
           <p:nvPr/>
         </p:nvPicPr>
         <p:blipFill>
-          <a:blip r:embed="rId18" cstate="print"/>
+          <a:blip r:embed="rId16" cstate="print"/>
           <a:stretch>
             <a:fillRect/>
           </a:stretch>
@@ -6548,7 +6500,7 @@
           <p:nvPr/>
         </p:nvPicPr>
         <p:blipFill>
-          <a:blip r:embed="rId19" cstate="print"/>
+          <a:blip r:embed="rId17" cstate="print"/>
           <a:stretch>
             <a:fillRect/>
           </a:stretch>
@@ -6572,7 +6524,7 @@
           <p:nvPr/>
         </p:nvPicPr>
         <p:blipFill>
-          <a:blip r:embed="rId20" cstate="print"/>
+          <a:blip r:embed="rId18" cstate="print"/>
           <a:stretch>
             <a:fillRect/>
           </a:stretch>
@@ -6596,7 +6548,7 @@
           <p:nvPr/>
         </p:nvPicPr>
         <p:blipFill>
-          <a:blip r:embed="rId21" cstate="print"/>
+          <a:blip r:embed="rId19" cstate="print"/>
           <a:stretch>
             <a:fillRect/>
           </a:stretch>
@@ -6620,7 +6572,7 @@
           <p:nvPr/>
         </p:nvPicPr>
         <p:blipFill>
-          <a:blip r:embed="rId22" cstate="print"/>
+          <a:blip r:embed="rId20" cstate="print"/>
           <a:stretch>
             <a:fillRect/>
           </a:stretch>
@@ -6644,7 +6596,7 @@
           <p:nvPr/>
         </p:nvPicPr>
         <p:blipFill>
-          <a:blip r:embed="rId23" cstate="print"/>
+          <a:blip r:embed="rId21" cstate="print"/>
           <a:stretch>
             <a:fillRect/>
           </a:stretch>
@@ -6668,7 +6620,7 @@
           <p:nvPr/>
         </p:nvPicPr>
         <p:blipFill>
-          <a:blip r:embed="rId24" cstate="print"/>
+          <a:blip r:embed="rId22" cstate="print"/>
           <a:stretch>
             <a:fillRect/>
           </a:stretch>
@@ -6692,7 +6644,7 @@
           <p:nvPr/>
         </p:nvPicPr>
         <p:blipFill>
-          <a:blip r:embed="rId25" cstate="print"/>
+          <a:blip r:embed="rId23" cstate="print"/>
           <a:stretch>
             <a:fillRect/>
           </a:stretch>
@@ -6716,7 +6668,7 @@
           <p:nvPr/>
         </p:nvPicPr>
         <p:blipFill>
-          <a:blip r:embed="rId26" cstate="print"/>
+          <a:blip r:embed="rId24" cstate="print"/>
           <a:stretch>
             <a:fillRect/>
           </a:stretch>
@@ -6740,7 +6692,7 @@
           <p:nvPr/>
         </p:nvPicPr>
         <p:blipFill>
-          <a:blip r:embed="rId27" cstate="print"/>
+          <a:blip r:embed="rId25" cstate="print"/>
           <a:stretch>
             <a:fillRect/>
           </a:stretch>
@@ -6764,7 +6716,7 @@
           <p:nvPr/>
         </p:nvPicPr>
         <p:blipFill>
-          <a:blip r:embed="rId28" cstate="print"/>
+          <a:blip r:embed="rId26" cstate="print"/>
           <a:stretch>
             <a:fillRect/>
           </a:stretch>
@@ -6773,6 +6725,96 @@
           <a:xfrm>
             <a:off x="5822100" y="3361528"/>
             <a:ext cx="2198185" cy="1154042"/>
+          </a:xfrm>
+          <a:prstGeom prst="rect">
+            <a:avLst/>
+          </a:prstGeom>
+        </p:spPr>
+      </p:pic>
+      <p:pic>
+        <p:nvPicPr>
+          <p:cNvPr id="5" name="그림 4">
+            <a:extLst>
+              <a:ext uri="{FF2B5EF4-FFF2-40B4-BE49-F238E27FC236}">
+                <a16:creationId xmlns:a16="http://schemas.microsoft.com/office/drawing/2014/main" id="{BA99B60E-3BAC-4AAD-8D83-4234A99EB3FB}"/>
+              </a:ext>
+            </a:extLst>
+          </p:cNvPr>
+          <p:cNvPicPr>
+            <a:picLocks noChangeAspect="1"/>
+          </p:cNvPicPr>
+          <p:nvPr/>
+        </p:nvPicPr>
+        <p:blipFill>
+          <a:blip r:embed="rId27"/>
+          <a:stretch>
+            <a:fillRect/>
+          </a:stretch>
+        </p:blipFill>
+        <p:spPr>
+          <a:xfrm>
+            <a:off x="579264" y="1221054"/>
+            <a:ext cx="4141980" cy="709581"/>
+          </a:xfrm>
+          <a:prstGeom prst="rect">
+            <a:avLst/>
+          </a:prstGeom>
+        </p:spPr>
+      </p:pic>
+      <p:pic>
+        <p:nvPicPr>
+          <p:cNvPr id="7" name="그림 6">
+            <a:extLst>
+              <a:ext uri="{FF2B5EF4-FFF2-40B4-BE49-F238E27FC236}">
+                <a16:creationId xmlns:a16="http://schemas.microsoft.com/office/drawing/2014/main" id="{1710E8A5-9CA2-4CA1-9C63-FE0D25B533E8}"/>
+              </a:ext>
+            </a:extLst>
+          </p:cNvPr>
+          <p:cNvPicPr>
+            <a:picLocks noChangeAspect="1"/>
+          </p:cNvPicPr>
+          <p:nvPr/>
+        </p:nvPicPr>
+        <p:blipFill>
+          <a:blip r:embed="rId28"/>
+          <a:stretch>
+            <a:fillRect/>
+          </a:stretch>
+        </p:blipFill>
+        <p:spPr>
+          <a:xfrm>
+            <a:off x="10576753" y="3857898"/>
+            <a:ext cx="5274995" cy="534628"/>
+          </a:xfrm>
+          <a:prstGeom prst="rect">
+            <a:avLst/>
+          </a:prstGeom>
+        </p:spPr>
+      </p:pic>
+      <p:pic>
+        <p:nvPicPr>
+          <p:cNvPr id="10" name="그림 9">
+            <a:extLst>
+              <a:ext uri="{FF2B5EF4-FFF2-40B4-BE49-F238E27FC236}">
+                <a16:creationId xmlns:a16="http://schemas.microsoft.com/office/drawing/2014/main" id="{FDDE22BF-803D-42CE-94BA-35D87FB77031}"/>
+              </a:ext>
+            </a:extLst>
+          </p:cNvPr>
+          <p:cNvPicPr>
+            <a:picLocks noChangeAspect="1"/>
+          </p:cNvPicPr>
+          <p:nvPr/>
+        </p:nvPicPr>
+        <p:blipFill>
+          <a:blip r:embed="rId29"/>
+          <a:stretch>
+            <a:fillRect/>
+          </a:stretch>
+        </p:blipFill>
+        <p:spPr>
+          <a:xfrm>
+            <a:off x="124801" y="5161654"/>
+            <a:ext cx="7845449" cy="4765587"/>
           </a:xfrm>
           <a:prstGeom prst="rect">
             <a:avLst/>
@@ -6784,6 +6826,127 @@
   <p:clrMapOvr>
     <a:masterClrMapping/>
   </p:clrMapOvr>
+  <p:timing>
+    <p:tnLst>
+      <p:par>
+        <p:cTn id="1" dur="indefinite" restart="never" nodeType="tmRoot">
+          <p:childTnLst>
+            <p:seq concurrent="1" nextAc="seek">
+              <p:cTn id="2" dur="indefinite" nodeType="mainSeq">
+                <p:childTnLst>
+                  <p:par>
+                    <p:cTn id="3" fill="hold">
+                      <p:stCondLst>
+                        <p:cond delay="indefinite"/>
+                      </p:stCondLst>
+                      <p:childTnLst>
+                        <p:par>
+                          <p:cTn id="4" fill="hold">
+                            <p:stCondLst>
+                              <p:cond delay="0"/>
+                            </p:stCondLst>
+                            <p:childTnLst>
+                              <p:par>
+                                <p:cTn id="5" presetID="2" presetClass="entr" presetSubtype="4" fill="hold" nodeType="clickEffect">
+                                  <p:stCondLst>
+                                    <p:cond delay="0"/>
+                                  </p:stCondLst>
+                                  <p:childTnLst>
+                                    <p:set>
+                                      <p:cBhvr>
+                                        <p:cTn id="6" dur="1" fill="hold">
+                                          <p:stCondLst>
+                                            <p:cond delay="0"/>
+                                          </p:stCondLst>
+                                        </p:cTn>
+                                        <p:tgtEl>
+                                          <p:spTgt spid="10"/>
+                                        </p:tgtEl>
+                                        <p:attrNameLst>
+                                          <p:attrName>style.visibility</p:attrName>
+                                        </p:attrNameLst>
+                                      </p:cBhvr>
+                                      <p:to>
+                                        <p:strVal val="visible"/>
+                                      </p:to>
+                                    </p:set>
+                                    <p:anim calcmode="lin" valueType="num">
+                                      <p:cBhvr additive="base">
+                                        <p:cTn id="7" dur="500" fill="hold"/>
+                                        <p:tgtEl>
+                                          <p:spTgt spid="10"/>
+                                        </p:tgtEl>
+                                        <p:attrNameLst>
+                                          <p:attrName>ppt_x</p:attrName>
+                                        </p:attrNameLst>
+                                      </p:cBhvr>
+                                      <p:tavLst>
+                                        <p:tav tm="0">
+                                          <p:val>
+                                            <p:strVal val="#ppt_x"/>
+                                          </p:val>
+                                        </p:tav>
+                                        <p:tav tm="100000">
+                                          <p:val>
+                                            <p:strVal val="#ppt_x"/>
+                                          </p:val>
+                                        </p:tav>
+                                      </p:tavLst>
+                                    </p:anim>
+                                    <p:anim calcmode="lin" valueType="num">
+                                      <p:cBhvr additive="base">
+                                        <p:cTn id="8" dur="500" fill="hold"/>
+                                        <p:tgtEl>
+                                          <p:spTgt spid="10"/>
+                                        </p:tgtEl>
+                                        <p:attrNameLst>
+                                          <p:attrName>ppt_y</p:attrName>
+                                        </p:attrNameLst>
+                                      </p:cBhvr>
+                                      <p:tavLst>
+                                        <p:tav tm="0">
+                                          <p:val>
+                                            <p:strVal val="1+#ppt_h/2"/>
+                                          </p:val>
+                                        </p:tav>
+                                        <p:tav tm="100000">
+                                          <p:val>
+                                            <p:strVal val="#ppt_y"/>
+                                          </p:val>
+                                        </p:tav>
+                                      </p:tavLst>
+                                    </p:anim>
+                                  </p:childTnLst>
+                                </p:cTn>
+                              </p:par>
+                            </p:childTnLst>
+                          </p:cTn>
+                        </p:par>
+                      </p:childTnLst>
+                    </p:cTn>
+                  </p:par>
+                </p:childTnLst>
+              </p:cTn>
+              <p:prevCondLst>
+                <p:cond evt="onPrev" delay="0">
+                  <p:tgtEl>
+                    <p:sldTgt/>
+                  </p:tgtEl>
+                </p:cond>
+              </p:prevCondLst>
+              <p:nextCondLst>
+                <p:cond evt="onNext" delay="0">
+                  <p:tgtEl>
+                    <p:sldTgt/>
+                  </p:tgtEl>
+                </p:cond>
+              </p:nextCondLst>
+            </p:seq>
+          </p:childTnLst>
+        </p:cTn>
+      </p:par>
+    </p:tnLst>
+  </p:timing>
 </p:sld>
 </file>
 
